--- a/img/multitask.pptx
+++ b/img/multitask.pptx
@@ -110,6 +110,819 @@
     </p:ext>
   </p:extLst>
 </p:presentation>
+</file>
+
+<file path=ppt/revisionInfo.xml><?xml version="1.0" encoding="utf-8"?>
+<p1510:revInfo xmlns:a="http://schemas.openxmlformats.org/drawingml/2006/main" xmlns:r="http://schemas.openxmlformats.org/officeDocument/2006/relationships" xmlns:p1510="http://schemas.microsoft.com/office/powerpoint/2015/10/main">
+  <p1510:revLst>
+    <p1510:client id="{2D92FFC4-6CAE-4370-B776-5AD7B630B07A}" v="68" dt="2023-01-29T19:30:43.270"/>
+  </p1510:revLst>
+</p1510:revInfo>
+</file>
+
+<file path=ppt/changesInfos/changesInfo1.xml><?xml version="1.0" encoding="utf-8"?>
+<pc:chgInfo xmlns:a="http://schemas.openxmlformats.org/drawingml/2006/main" xmlns:r="http://schemas.openxmlformats.org/officeDocument/2006/relationships" xmlns:ac="http://schemas.microsoft.com/office/drawing/2013/main/command" xmlns:pc="http://schemas.microsoft.com/office/powerpoint/2013/main/command">
+  <pc:docChgLst>
+    <pc:chgData name="Tang Bo" userId="332dbdf67b1791cd" providerId="LiveId" clId="{2D92FFC4-6CAE-4370-B776-5AD7B630B07A}"/>
+    <pc:docChg chg="undo redo custSel modSld">
+      <pc:chgData name="Tang Bo" userId="332dbdf67b1791cd" providerId="LiveId" clId="{2D92FFC4-6CAE-4370-B776-5AD7B630B07A}" dt="2023-01-29T19:30:43.270" v="82"/>
+      <pc:docMkLst>
+        <pc:docMk/>
+      </pc:docMkLst>
+      <pc:sldChg chg="modSp mod">
+        <pc:chgData name="Tang Bo" userId="332dbdf67b1791cd" providerId="LiveId" clId="{2D92FFC4-6CAE-4370-B776-5AD7B630B07A}" dt="2023-01-29T19:30:43.270" v="82"/>
+        <pc:sldMkLst>
+          <pc:docMk/>
+          <pc:sldMk cId="2375695198" sldId="257"/>
+        </pc:sldMkLst>
+        <pc:spChg chg="mod">
+          <ac:chgData name="Tang Bo" userId="332dbdf67b1791cd" providerId="LiveId" clId="{2D92FFC4-6CAE-4370-B776-5AD7B630B07A}" dt="2023-01-29T19:30:35.342" v="78"/>
+          <ac:spMkLst>
+            <pc:docMk/>
+            <pc:sldMk cId="2375695198" sldId="257"/>
+            <ac:spMk id="4" creationId="{5292518F-6BA9-CD2C-DD11-1201A170A55C}"/>
+          </ac:spMkLst>
+        </pc:spChg>
+        <pc:spChg chg="mod">
+          <ac:chgData name="Tang Bo" userId="332dbdf67b1791cd" providerId="LiveId" clId="{2D92FFC4-6CAE-4370-B776-5AD7B630B07A}" dt="2023-01-29T19:30:35.342" v="78"/>
+          <ac:spMkLst>
+            <pc:docMk/>
+            <pc:sldMk cId="2375695198" sldId="257"/>
+            <ac:spMk id="6" creationId="{EDE59CB4-37C2-C529-FF51-B1471F027AA5}"/>
+          </ac:spMkLst>
+        </pc:spChg>
+        <pc:spChg chg="mod">
+          <ac:chgData name="Tang Bo" userId="332dbdf67b1791cd" providerId="LiveId" clId="{2D92FFC4-6CAE-4370-B776-5AD7B630B07A}" dt="2023-01-29T19:30:35.342" v="78"/>
+          <ac:spMkLst>
+            <pc:docMk/>
+            <pc:sldMk cId="2375695198" sldId="257"/>
+            <ac:spMk id="7" creationId="{31C08278-DE3C-4CDB-5C6C-5642DE3924F0}"/>
+          </ac:spMkLst>
+        </pc:spChg>
+        <pc:spChg chg="mod">
+          <ac:chgData name="Tang Bo" userId="332dbdf67b1791cd" providerId="LiveId" clId="{2D92FFC4-6CAE-4370-B776-5AD7B630B07A}" dt="2023-01-29T19:30:43.270" v="82"/>
+          <ac:spMkLst>
+            <pc:docMk/>
+            <pc:sldMk cId="2375695198" sldId="257"/>
+            <ac:spMk id="26" creationId="{46ABBD6C-D7C6-8D59-D484-AAA544F390DB}"/>
+          </ac:spMkLst>
+        </pc:spChg>
+        <pc:spChg chg="mod">
+          <ac:chgData name="Tang Bo" userId="332dbdf67b1791cd" providerId="LiveId" clId="{2D92FFC4-6CAE-4370-B776-5AD7B630B07A}" dt="2023-01-29T19:30:35.342" v="78"/>
+          <ac:spMkLst>
+            <pc:docMk/>
+            <pc:sldMk cId="2375695198" sldId="257"/>
+            <ac:spMk id="27" creationId="{C018A3EA-D184-0DCD-A754-4EEA7C8AC332}"/>
+          </ac:spMkLst>
+        </pc:spChg>
+        <pc:spChg chg="mod">
+          <ac:chgData name="Tang Bo" userId="332dbdf67b1791cd" providerId="LiveId" clId="{2D92FFC4-6CAE-4370-B776-5AD7B630B07A}" dt="2023-01-29T19:30:35.342" v="78"/>
+          <ac:spMkLst>
+            <pc:docMk/>
+            <pc:sldMk cId="2375695198" sldId="257"/>
+            <ac:spMk id="28" creationId="{2EA45256-F414-FAB9-8B57-F0E2A6130F7A}"/>
+          </ac:spMkLst>
+        </pc:spChg>
+        <pc:spChg chg="mod">
+          <ac:chgData name="Tang Bo" userId="332dbdf67b1791cd" providerId="LiveId" clId="{2D92FFC4-6CAE-4370-B776-5AD7B630B07A}" dt="2023-01-29T19:30:35.342" v="78"/>
+          <ac:spMkLst>
+            <pc:docMk/>
+            <pc:sldMk cId="2375695198" sldId="257"/>
+            <ac:spMk id="32" creationId="{D7EBFDD5-7BB4-0830-BE66-E422789098F3}"/>
+          </ac:spMkLst>
+        </pc:spChg>
+        <pc:spChg chg="mod">
+          <ac:chgData name="Tang Bo" userId="332dbdf67b1791cd" providerId="LiveId" clId="{2D92FFC4-6CAE-4370-B776-5AD7B630B07A}" dt="2023-01-29T19:30:35.342" v="78"/>
+          <ac:spMkLst>
+            <pc:docMk/>
+            <pc:sldMk cId="2375695198" sldId="257"/>
+            <ac:spMk id="33" creationId="{694C47ED-5532-3FFA-6D26-0E3E364BAEA8}"/>
+          </ac:spMkLst>
+        </pc:spChg>
+        <pc:spChg chg="mod">
+          <ac:chgData name="Tang Bo" userId="332dbdf67b1791cd" providerId="LiveId" clId="{2D92FFC4-6CAE-4370-B776-5AD7B630B07A}" dt="2023-01-29T19:30:35.342" v="78"/>
+          <ac:spMkLst>
+            <pc:docMk/>
+            <pc:sldMk cId="2375695198" sldId="257"/>
+            <ac:spMk id="37" creationId="{0FEB6BD2-D71F-D5E8-529D-6210E17B847C}"/>
+          </ac:spMkLst>
+        </pc:spChg>
+        <pc:spChg chg="mod">
+          <ac:chgData name="Tang Bo" userId="332dbdf67b1791cd" providerId="LiveId" clId="{2D92FFC4-6CAE-4370-B776-5AD7B630B07A}" dt="2023-01-29T19:30:35.342" v="78"/>
+          <ac:spMkLst>
+            <pc:docMk/>
+            <pc:sldMk cId="2375695198" sldId="257"/>
+            <ac:spMk id="38" creationId="{771DFFBA-A6C4-B798-A208-D8C99A99856B}"/>
+          </ac:spMkLst>
+        </pc:spChg>
+        <pc:spChg chg="mod">
+          <ac:chgData name="Tang Bo" userId="332dbdf67b1791cd" providerId="LiveId" clId="{2D92FFC4-6CAE-4370-B776-5AD7B630B07A}" dt="2023-01-29T19:30:43.270" v="82"/>
+          <ac:spMkLst>
+            <pc:docMk/>
+            <pc:sldMk cId="2375695198" sldId="257"/>
+            <ac:spMk id="41" creationId="{FDA00A84-9EEE-5E2C-6BB2-C41D96FFC98B}"/>
+          </ac:spMkLst>
+        </pc:spChg>
+        <pc:spChg chg="mod">
+          <ac:chgData name="Tang Bo" userId="332dbdf67b1791cd" providerId="LiveId" clId="{2D92FFC4-6CAE-4370-B776-5AD7B630B07A}" dt="2023-01-29T19:30:43.270" v="82"/>
+          <ac:spMkLst>
+            <pc:docMk/>
+            <pc:sldMk cId="2375695198" sldId="257"/>
+            <ac:spMk id="42" creationId="{E266714F-BCA1-7A55-FDE3-CE7A79FD25E1}"/>
+          </ac:spMkLst>
+        </pc:spChg>
+        <pc:spChg chg="mod">
+          <ac:chgData name="Tang Bo" userId="332dbdf67b1791cd" providerId="LiveId" clId="{2D92FFC4-6CAE-4370-B776-5AD7B630B07A}" dt="2023-01-29T19:30:43.270" v="82"/>
+          <ac:spMkLst>
+            <pc:docMk/>
+            <pc:sldMk cId="2375695198" sldId="257"/>
+            <ac:spMk id="43" creationId="{89580875-48CA-C1DF-2C28-387F42EE2751}"/>
+          </ac:spMkLst>
+        </pc:spChg>
+        <pc:spChg chg="mod">
+          <ac:chgData name="Tang Bo" userId="332dbdf67b1791cd" providerId="LiveId" clId="{2D92FFC4-6CAE-4370-B776-5AD7B630B07A}" dt="2023-01-29T19:30:43.270" v="82"/>
+          <ac:spMkLst>
+            <pc:docMk/>
+            <pc:sldMk cId="2375695198" sldId="257"/>
+            <ac:spMk id="46" creationId="{1EE2C9F7-DD21-D894-337E-F0AE8A551C6A}"/>
+          </ac:spMkLst>
+        </pc:spChg>
+        <pc:spChg chg="mod">
+          <ac:chgData name="Tang Bo" userId="332dbdf67b1791cd" providerId="LiveId" clId="{2D92FFC4-6CAE-4370-B776-5AD7B630B07A}" dt="2023-01-29T19:30:43.270" v="82"/>
+          <ac:spMkLst>
+            <pc:docMk/>
+            <pc:sldMk cId="2375695198" sldId="257"/>
+            <ac:spMk id="47" creationId="{AE19D2AC-FB09-A5F5-F748-7D3312F62D05}"/>
+          </ac:spMkLst>
+        </pc:spChg>
+        <pc:spChg chg="mod">
+          <ac:chgData name="Tang Bo" userId="332dbdf67b1791cd" providerId="LiveId" clId="{2D92FFC4-6CAE-4370-B776-5AD7B630B07A}" dt="2023-01-29T19:30:43.270" v="82"/>
+          <ac:spMkLst>
+            <pc:docMk/>
+            <pc:sldMk cId="2375695198" sldId="257"/>
+            <ac:spMk id="49" creationId="{D7AD6761-A758-72C2-8339-4DAA4DE8615E}"/>
+          </ac:spMkLst>
+        </pc:spChg>
+        <pc:spChg chg="mod">
+          <ac:chgData name="Tang Bo" userId="332dbdf67b1791cd" providerId="LiveId" clId="{2D92FFC4-6CAE-4370-B776-5AD7B630B07A}" dt="2023-01-29T19:30:35.342" v="78"/>
+          <ac:spMkLst>
+            <pc:docMk/>
+            <pc:sldMk cId="2375695198" sldId="257"/>
+            <ac:spMk id="51" creationId="{411CB3FE-AF9D-932D-524C-29DE3CDEF6A1}"/>
+          </ac:spMkLst>
+        </pc:spChg>
+        <pc:spChg chg="mod">
+          <ac:chgData name="Tang Bo" userId="332dbdf67b1791cd" providerId="LiveId" clId="{2D92FFC4-6CAE-4370-B776-5AD7B630B07A}" dt="2023-01-29T19:30:43.270" v="82"/>
+          <ac:spMkLst>
+            <pc:docMk/>
+            <pc:sldMk cId="2375695198" sldId="257"/>
+            <ac:spMk id="52" creationId="{C568A5A8-AB6F-0115-B03E-A3A78D76E86E}"/>
+          </ac:spMkLst>
+        </pc:spChg>
+        <pc:spChg chg="mod">
+          <ac:chgData name="Tang Bo" userId="332dbdf67b1791cd" providerId="LiveId" clId="{2D92FFC4-6CAE-4370-B776-5AD7B630B07A}" dt="2023-01-29T19:30:43.270" v="82"/>
+          <ac:spMkLst>
+            <pc:docMk/>
+            <pc:sldMk cId="2375695198" sldId="257"/>
+            <ac:spMk id="54" creationId="{2D7C54DC-98F9-09EB-17F4-AF23EB64CFD0}"/>
+          </ac:spMkLst>
+        </pc:spChg>
+        <pc:spChg chg="mod">
+          <ac:chgData name="Tang Bo" userId="332dbdf67b1791cd" providerId="LiveId" clId="{2D92FFC4-6CAE-4370-B776-5AD7B630B07A}" dt="2023-01-29T19:30:43.270" v="82"/>
+          <ac:spMkLst>
+            <pc:docMk/>
+            <pc:sldMk cId="2375695198" sldId="257"/>
+            <ac:spMk id="55" creationId="{EB6CCD86-9A00-38C4-D8DF-193F47991D38}"/>
+          </ac:spMkLst>
+        </pc:spChg>
+        <pc:spChg chg="mod">
+          <ac:chgData name="Tang Bo" userId="332dbdf67b1791cd" providerId="LiveId" clId="{2D92FFC4-6CAE-4370-B776-5AD7B630B07A}" dt="2023-01-29T19:30:43.270" v="82"/>
+          <ac:spMkLst>
+            <pc:docMk/>
+            <pc:sldMk cId="2375695198" sldId="257"/>
+            <ac:spMk id="56" creationId="{35F64738-A254-AB32-9FCF-4CDB1CB28730}"/>
+          </ac:spMkLst>
+        </pc:spChg>
+        <pc:spChg chg="mod">
+          <ac:chgData name="Tang Bo" userId="332dbdf67b1791cd" providerId="LiveId" clId="{2D92FFC4-6CAE-4370-B776-5AD7B630B07A}" dt="2023-01-29T19:30:35.342" v="78"/>
+          <ac:spMkLst>
+            <pc:docMk/>
+            <pc:sldMk cId="2375695198" sldId="257"/>
+            <ac:spMk id="57" creationId="{00A658E8-F4F8-2F79-1FA0-5A18FAAC31B0}"/>
+          </ac:spMkLst>
+        </pc:spChg>
+        <pc:spChg chg="mod">
+          <ac:chgData name="Tang Bo" userId="332dbdf67b1791cd" providerId="LiveId" clId="{2D92FFC4-6CAE-4370-B776-5AD7B630B07A}" dt="2023-01-29T19:30:35.342" v="78"/>
+          <ac:spMkLst>
+            <pc:docMk/>
+            <pc:sldMk cId="2375695198" sldId="257"/>
+            <ac:spMk id="60" creationId="{49F1D034-B9CC-A7E9-5025-BD5CE16B45B6}"/>
+          </ac:spMkLst>
+        </pc:spChg>
+        <pc:spChg chg="mod">
+          <ac:chgData name="Tang Bo" userId="332dbdf67b1791cd" providerId="LiveId" clId="{2D92FFC4-6CAE-4370-B776-5AD7B630B07A}" dt="2023-01-29T19:30:35.342" v="78"/>
+          <ac:spMkLst>
+            <pc:docMk/>
+            <pc:sldMk cId="2375695198" sldId="257"/>
+            <ac:spMk id="61" creationId="{7DFACAC8-6D05-C594-2C56-EFE9F8400B73}"/>
+          </ac:spMkLst>
+        </pc:spChg>
+        <pc:spChg chg="mod">
+          <ac:chgData name="Tang Bo" userId="332dbdf67b1791cd" providerId="LiveId" clId="{2D92FFC4-6CAE-4370-B776-5AD7B630B07A}" dt="2023-01-29T19:30:35.342" v="78"/>
+          <ac:spMkLst>
+            <pc:docMk/>
+            <pc:sldMk cId="2375695198" sldId="257"/>
+            <ac:spMk id="63" creationId="{9F45CBA7-B804-C1E0-F1EE-A4513861F353}"/>
+          </ac:spMkLst>
+        </pc:spChg>
+        <pc:spChg chg="mod">
+          <ac:chgData name="Tang Bo" userId="332dbdf67b1791cd" providerId="LiveId" clId="{2D92FFC4-6CAE-4370-B776-5AD7B630B07A}" dt="2023-01-29T19:30:35.342" v="78"/>
+          <ac:spMkLst>
+            <pc:docMk/>
+            <pc:sldMk cId="2375695198" sldId="257"/>
+            <ac:spMk id="64" creationId="{BC796AEC-AA97-66BA-D76B-A18C7A7914E4}"/>
+          </ac:spMkLst>
+        </pc:spChg>
+        <pc:spChg chg="mod">
+          <ac:chgData name="Tang Bo" userId="332dbdf67b1791cd" providerId="LiveId" clId="{2D92FFC4-6CAE-4370-B776-5AD7B630B07A}" dt="2023-01-29T19:30:43.270" v="82"/>
+          <ac:spMkLst>
+            <pc:docMk/>
+            <pc:sldMk cId="2375695198" sldId="257"/>
+            <ac:spMk id="65" creationId="{474DDE3B-788A-BC38-9DD8-A7FF7762DC2D}"/>
+          </ac:spMkLst>
+        </pc:spChg>
+        <pc:spChg chg="mod">
+          <ac:chgData name="Tang Bo" userId="332dbdf67b1791cd" providerId="LiveId" clId="{2D92FFC4-6CAE-4370-B776-5AD7B630B07A}" dt="2023-01-29T19:30:43.270" v="82"/>
+          <ac:spMkLst>
+            <pc:docMk/>
+            <pc:sldMk cId="2375695198" sldId="257"/>
+            <ac:spMk id="66" creationId="{440BE1CB-1DC3-39AB-A47B-3E2E5849A7AB}"/>
+          </ac:spMkLst>
+        </pc:spChg>
+        <pc:spChg chg="mod">
+          <ac:chgData name="Tang Bo" userId="332dbdf67b1791cd" providerId="LiveId" clId="{2D92FFC4-6CAE-4370-B776-5AD7B630B07A}" dt="2023-01-29T19:30:43.270" v="82"/>
+          <ac:spMkLst>
+            <pc:docMk/>
+            <pc:sldMk cId="2375695198" sldId="257"/>
+            <ac:spMk id="67" creationId="{3C4B7293-1479-C811-058C-35148316A71F}"/>
+          </ac:spMkLst>
+        </pc:spChg>
+        <pc:spChg chg="mod">
+          <ac:chgData name="Tang Bo" userId="332dbdf67b1791cd" providerId="LiveId" clId="{2D92FFC4-6CAE-4370-B776-5AD7B630B07A}" dt="2023-01-29T19:30:43.270" v="82"/>
+          <ac:spMkLst>
+            <pc:docMk/>
+            <pc:sldMk cId="2375695198" sldId="257"/>
+            <ac:spMk id="73" creationId="{FF3ED63A-ED37-3662-E3FE-5A039BCDBCAB}"/>
+          </ac:spMkLst>
+        </pc:spChg>
+        <pc:spChg chg="mod">
+          <ac:chgData name="Tang Bo" userId="332dbdf67b1791cd" providerId="LiveId" clId="{2D92FFC4-6CAE-4370-B776-5AD7B630B07A}" dt="2023-01-29T19:30:43.270" v="82"/>
+          <ac:spMkLst>
+            <pc:docMk/>
+            <pc:sldMk cId="2375695198" sldId="257"/>
+            <ac:spMk id="74" creationId="{2ABCFB82-0B8F-72DF-145A-AF10CBC8CD86}"/>
+          </ac:spMkLst>
+        </pc:spChg>
+        <pc:spChg chg="mod">
+          <ac:chgData name="Tang Bo" userId="332dbdf67b1791cd" providerId="LiveId" clId="{2D92FFC4-6CAE-4370-B776-5AD7B630B07A}" dt="2023-01-29T19:30:43.270" v="82"/>
+          <ac:spMkLst>
+            <pc:docMk/>
+            <pc:sldMk cId="2375695198" sldId="257"/>
+            <ac:spMk id="80" creationId="{0EE3E0AF-EE2C-4E84-9431-CFBD933A4184}"/>
+          </ac:spMkLst>
+        </pc:spChg>
+        <pc:spChg chg="mod">
+          <ac:chgData name="Tang Bo" userId="332dbdf67b1791cd" providerId="LiveId" clId="{2D92FFC4-6CAE-4370-B776-5AD7B630B07A}" dt="2023-01-29T19:30:43.270" v="82"/>
+          <ac:spMkLst>
+            <pc:docMk/>
+            <pc:sldMk cId="2375695198" sldId="257"/>
+            <ac:spMk id="81" creationId="{A6EDF724-25D9-74D7-BAC9-17F5B42FF3F6}"/>
+          </ac:spMkLst>
+        </pc:spChg>
+        <pc:spChg chg="mod">
+          <ac:chgData name="Tang Bo" userId="332dbdf67b1791cd" providerId="LiveId" clId="{2D92FFC4-6CAE-4370-B776-5AD7B630B07A}" dt="2023-01-29T19:30:43.270" v="82"/>
+          <ac:spMkLst>
+            <pc:docMk/>
+            <pc:sldMk cId="2375695198" sldId="257"/>
+            <ac:spMk id="82" creationId="{989B2A35-F069-C229-5E36-BB9BE2D54976}"/>
+          </ac:spMkLst>
+        </pc:spChg>
+        <pc:spChg chg="mod">
+          <ac:chgData name="Tang Bo" userId="332dbdf67b1791cd" providerId="LiveId" clId="{2D92FFC4-6CAE-4370-B776-5AD7B630B07A}" dt="2023-01-29T19:30:35.342" v="78"/>
+          <ac:spMkLst>
+            <pc:docMk/>
+            <pc:sldMk cId="2375695198" sldId="257"/>
+            <ac:spMk id="85" creationId="{03E73A34-BD05-37A2-9653-894C6419FCDA}"/>
+          </ac:spMkLst>
+        </pc:spChg>
+        <pc:spChg chg="mod">
+          <ac:chgData name="Tang Bo" userId="332dbdf67b1791cd" providerId="LiveId" clId="{2D92FFC4-6CAE-4370-B776-5AD7B630B07A}" dt="2023-01-29T19:30:35.342" v="78"/>
+          <ac:spMkLst>
+            <pc:docMk/>
+            <pc:sldMk cId="2375695198" sldId="257"/>
+            <ac:spMk id="86" creationId="{069CE5D3-7628-43DA-DDEC-1009A42C86E8}"/>
+          </ac:spMkLst>
+        </pc:spChg>
+        <pc:spChg chg="mod">
+          <ac:chgData name="Tang Bo" userId="332dbdf67b1791cd" providerId="LiveId" clId="{2D92FFC4-6CAE-4370-B776-5AD7B630B07A}" dt="2023-01-29T19:30:35.342" v="78"/>
+          <ac:spMkLst>
+            <pc:docMk/>
+            <pc:sldMk cId="2375695198" sldId="257"/>
+            <ac:spMk id="87" creationId="{812699A5-741A-76A6-7803-0D821C22E750}"/>
+          </ac:spMkLst>
+        </pc:spChg>
+        <pc:spChg chg="mod">
+          <ac:chgData name="Tang Bo" userId="332dbdf67b1791cd" providerId="LiveId" clId="{2D92FFC4-6CAE-4370-B776-5AD7B630B07A}" dt="2023-01-29T19:30:35.342" v="78"/>
+          <ac:spMkLst>
+            <pc:docMk/>
+            <pc:sldMk cId="2375695198" sldId="257"/>
+            <ac:spMk id="88" creationId="{A166F9B0-46DD-44E6-0D6A-D4DFDA7E4AA4}"/>
+          </ac:spMkLst>
+        </pc:spChg>
+        <pc:spChg chg="mod">
+          <ac:chgData name="Tang Bo" userId="332dbdf67b1791cd" providerId="LiveId" clId="{2D92FFC4-6CAE-4370-B776-5AD7B630B07A}" dt="2023-01-29T19:30:35.342" v="78"/>
+          <ac:spMkLst>
+            <pc:docMk/>
+            <pc:sldMk cId="2375695198" sldId="257"/>
+            <ac:spMk id="93" creationId="{DBAA902E-BB57-3B87-E959-23AE9568A321}"/>
+          </ac:spMkLst>
+        </pc:spChg>
+        <pc:spChg chg="mod">
+          <ac:chgData name="Tang Bo" userId="332dbdf67b1791cd" providerId="LiveId" clId="{2D92FFC4-6CAE-4370-B776-5AD7B630B07A}" dt="2023-01-29T19:30:35.342" v="78"/>
+          <ac:spMkLst>
+            <pc:docMk/>
+            <pc:sldMk cId="2375695198" sldId="257"/>
+            <ac:spMk id="94" creationId="{A3489ECB-5E03-008D-2D63-4FCDFACA5407}"/>
+          </ac:spMkLst>
+        </pc:spChg>
+        <pc:spChg chg="mod">
+          <ac:chgData name="Tang Bo" userId="332dbdf67b1791cd" providerId="LiveId" clId="{2D92FFC4-6CAE-4370-B776-5AD7B630B07A}" dt="2023-01-29T19:30:35.342" v="78"/>
+          <ac:spMkLst>
+            <pc:docMk/>
+            <pc:sldMk cId="2375695198" sldId="257"/>
+            <ac:spMk id="95" creationId="{98E0C91B-1471-1769-5B86-457813CC120B}"/>
+          </ac:spMkLst>
+        </pc:spChg>
+        <pc:spChg chg="mod">
+          <ac:chgData name="Tang Bo" userId="332dbdf67b1791cd" providerId="LiveId" clId="{2D92FFC4-6CAE-4370-B776-5AD7B630B07A}" dt="2023-01-29T19:30:35.342" v="78"/>
+          <ac:spMkLst>
+            <pc:docMk/>
+            <pc:sldMk cId="2375695198" sldId="257"/>
+            <ac:spMk id="96" creationId="{F15B4A7A-A538-05B8-88CB-2C80F022B353}"/>
+          </ac:spMkLst>
+        </pc:spChg>
+        <pc:spChg chg="mod">
+          <ac:chgData name="Tang Bo" userId="332dbdf67b1791cd" providerId="LiveId" clId="{2D92FFC4-6CAE-4370-B776-5AD7B630B07A}" dt="2023-01-29T19:30:35.342" v="78"/>
+          <ac:spMkLst>
+            <pc:docMk/>
+            <pc:sldMk cId="2375695198" sldId="257"/>
+            <ac:spMk id="99" creationId="{05317ED5-9941-5774-2DDE-D3584B1C8DCB}"/>
+          </ac:spMkLst>
+        </pc:spChg>
+        <pc:spChg chg="mod">
+          <ac:chgData name="Tang Bo" userId="332dbdf67b1791cd" providerId="LiveId" clId="{2D92FFC4-6CAE-4370-B776-5AD7B630B07A}" dt="2023-01-29T19:30:35.342" v="78"/>
+          <ac:spMkLst>
+            <pc:docMk/>
+            <pc:sldMk cId="2375695198" sldId="257"/>
+            <ac:spMk id="100" creationId="{13C9342C-4B40-8073-DDFF-657F3E1252B8}"/>
+          </ac:spMkLst>
+        </pc:spChg>
+        <pc:spChg chg="mod">
+          <ac:chgData name="Tang Bo" userId="332dbdf67b1791cd" providerId="LiveId" clId="{2D92FFC4-6CAE-4370-B776-5AD7B630B07A}" dt="2023-01-29T19:30:35.342" v="78"/>
+          <ac:spMkLst>
+            <pc:docMk/>
+            <pc:sldMk cId="2375695198" sldId="257"/>
+            <ac:spMk id="101" creationId="{A56EEEE9-D2C5-FEC8-A645-9F1BDCD52B63}"/>
+          </ac:spMkLst>
+        </pc:spChg>
+        <pc:spChg chg="mod">
+          <ac:chgData name="Tang Bo" userId="332dbdf67b1791cd" providerId="LiveId" clId="{2D92FFC4-6CAE-4370-B776-5AD7B630B07A}" dt="2023-01-29T19:30:35.342" v="78"/>
+          <ac:spMkLst>
+            <pc:docMk/>
+            <pc:sldMk cId="2375695198" sldId="257"/>
+            <ac:spMk id="102" creationId="{F05B3E7E-028A-409E-3762-5BC308905800}"/>
+          </ac:spMkLst>
+        </pc:spChg>
+        <pc:grpChg chg="mod">
+          <ac:chgData name="Tang Bo" userId="332dbdf67b1791cd" providerId="LiveId" clId="{2D92FFC4-6CAE-4370-B776-5AD7B630B07A}" dt="2023-01-29T19:30:43.270" v="82"/>
+          <ac:grpSpMkLst>
+            <pc:docMk/>
+            <pc:sldMk cId="2375695198" sldId="257"/>
+            <ac:grpSpMk id="5" creationId="{9302BE13-F631-18A8-9ADD-9EA1A023D8F4}"/>
+          </ac:grpSpMkLst>
+        </pc:grpChg>
+        <pc:grpChg chg="mod">
+          <ac:chgData name="Tang Bo" userId="332dbdf67b1791cd" providerId="LiveId" clId="{2D92FFC4-6CAE-4370-B776-5AD7B630B07A}" dt="2023-01-29T19:30:35.342" v="78"/>
+          <ac:grpSpMkLst>
+            <pc:docMk/>
+            <pc:sldMk cId="2375695198" sldId="257"/>
+            <ac:grpSpMk id="8" creationId="{2442656E-499A-B5F0-F7FF-4E27FF5118A4}"/>
+          </ac:grpSpMkLst>
+        </pc:grpChg>
+        <pc:grpChg chg="mod">
+          <ac:chgData name="Tang Bo" userId="332dbdf67b1791cd" providerId="LiveId" clId="{2D92FFC4-6CAE-4370-B776-5AD7B630B07A}" dt="2023-01-29T19:30:43.270" v="82"/>
+          <ac:grpSpMkLst>
+            <pc:docMk/>
+            <pc:sldMk cId="2375695198" sldId="257"/>
+            <ac:grpSpMk id="9" creationId="{E8C0DF5C-CF99-6058-A32D-7BA5A9F9C121}"/>
+          </ac:grpSpMkLst>
+        </pc:grpChg>
+        <pc:grpChg chg="mod">
+          <ac:chgData name="Tang Bo" userId="332dbdf67b1791cd" providerId="LiveId" clId="{2D92FFC4-6CAE-4370-B776-5AD7B630B07A}" dt="2023-01-29T19:30:43.270" v="82"/>
+          <ac:grpSpMkLst>
+            <pc:docMk/>
+            <pc:sldMk cId="2375695198" sldId="257"/>
+            <ac:grpSpMk id="10" creationId="{56569B4D-3FA2-C558-3D62-C6FFA383FD13}"/>
+          </ac:grpSpMkLst>
+        </pc:grpChg>
+        <pc:grpChg chg="mod">
+          <ac:chgData name="Tang Bo" userId="332dbdf67b1791cd" providerId="LiveId" clId="{2D92FFC4-6CAE-4370-B776-5AD7B630B07A}" dt="2023-01-29T19:30:43.270" v="82"/>
+          <ac:grpSpMkLst>
+            <pc:docMk/>
+            <pc:sldMk cId="2375695198" sldId="257"/>
+            <ac:grpSpMk id="11" creationId="{C7ABEF07-DBBB-71B5-7472-453D3C1E932B}"/>
+          </ac:grpSpMkLst>
+        </pc:grpChg>
+        <pc:grpChg chg="mod">
+          <ac:chgData name="Tang Bo" userId="332dbdf67b1791cd" providerId="LiveId" clId="{2D92FFC4-6CAE-4370-B776-5AD7B630B07A}" dt="2023-01-29T19:30:43.270" v="82"/>
+          <ac:grpSpMkLst>
+            <pc:docMk/>
+            <pc:sldMk cId="2375695198" sldId="257"/>
+            <ac:grpSpMk id="17" creationId="{EC87E43F-147A-1833-2509-1B1A36E8C79B}"/>
+          </ac:grpSpMkLst>
+        </pc:grpChg>
+        <pc:grpChg chg="mod">
+          <ac:chgData name="Tang Bo" userId="332dbdf67b1791cd" providerId="LiveId" clId="{2D92FFC4-6CAE-4370-B776-5AD7B630B07A}" dt="2023-01-29T19:30:43.270" v="82"/>
+          <ac:grpSpMkLst>
+            <pc:docMk/>
+            <pc:sldMk cId="2375695198" sldId="257"/>
+            <ac:grpSpMk id="18" creationId="{7086CDCC-91F3-3982-9AB1-EAE9254ABAF5}"/>
+          </ac:grpSpMkLst>
+        </pc:grpChg>
+        <pc:grpChg chg="mod">
+          <ac:chgData name="Tang Bo" userId="332dbdf67b1791cd" providerId="LiveId" clId="{2D92FFC4-6CAE-4370-B776-5AD7B630B07A}" dt="2023-01-29T19:30:43.270" v="82"/>
+          <ac:grpSpMkLst>
+            <pc:docMk/>
+            <pc:sldMk cId="2375695198" sldId="257"/>
+            <ac:grpSpMk id="19" creationId="{C7A3826A-345A-111E-09B2-14D4F90FEB94}"/>
+          </ac:grpSpMkLst>
+        </pc:grpChg>
+        <pc:grpChg chg="mod">
+          <ac:chgData name="Tang Bo" userId="332dbdf67b1791cd" providerId="LiveId" clId="{2D92FFC4-6CAE-4370-B776-5AD7B630B07A}" dt="2023-01-29T19:30:43.270" v="82"/>
+          <ac:grpSpMkLst>
+            <pc:docMk/>
+            <pc:sldMk cId="2375695198" sldId="257"/>
+            <ac:grpSpMk id="20" creationId="{497ACC2C-647B-9E90-FC8F-1BE41FE15931}"/>
+          </ac:grpSpMkLst>
+        </pc:grpChg>
+        <pc:grpChg chg="mod">
+          <ac:chgData name="Tang Bo" userId="332dbdf67b1791cd" providerId="LiveId" clId="{2D92FFC4-6CAE-4370-B776-5AD7B630B07A}" dt="2023-01-29T19:30:35.342" v="78"/>
+          <ac:grpSpMkLst>
+            <pc:docMk/>
+            <pc:sldMk cId="2375695198" sldId="257"/>
+            <ac:grpSpMk id="21" creationId="{FF0F97F5-E54B-5611-3DC7-229149747E20}"/>
+          </ac:grpSpMkLst>
+        </pc:grpChg>
+        <pc:grpChg chg="mod">
+          <ac:chgData name="Tang Bo" userId="332dbdf67b1791cd" providerId="LiveId" clId="{2D92FFC4-6CAE-4370-B776-5AD7B630B07A}" dt="2023-01-29T19:30:35.342" v="78"/>
+          <ac:grpSpMkLst>
+            <pc:docMk/>
+            <pc:sldMk cId="2375695198" sldId="257"/>
+            <ac:grpSpMk id="22" creationId="{A0827702-EA8A-F362-2E14-B42F743CC833}"/>
+          </ac:grpSpMkLst>
+        </pc:grpChg>
+        <pc:grpChg chg="mod">
+          <ac:chgData name="Tang Bo" userId="332dbdf67b1791cd" providerId="LiveId" clId="{2D92FFC4-6CAE-4370-B776-5AD7B630B07A}" dt="2023-01-29T19:30:35.342" v="78"/>
+          <ac:grpSpMkLst>
+            <pc:docMk/>
+            <pc:sldMk cId="2375695198" sldId="257"/>
+            <ac:grpSpMk id="23" creationId="{CA9EB1E3-E0F6-3415-802D-7F8C70234B99}"/>
+          </ac:grpSpMkLst>
+        </pc:grpChg>
+        <pc:grpChg chg="mod">
+          <ac:chgData name="Tang Bo" userId="332dbdf67b1791cd" providerId="LiveId" clId="{2D92FFC4-6CAE-4370-B776-5AD7B630B07A}" dt="2023-01-29T19:30:43.270" v="82"/>
+          <ac:grpSpMkLst>
+            <pc:docMk/>
+            <pc:sldMk cId="2375695198" sldId="257"/>
+            <ac:grpSpMk id="24" creationId="{46733715-0741-F59C-0916-DE05A5D00BE9}"/>
+          </ac:grpSpMkLst>
+        </pc:grpChg>
+        <pc:grpChg chg="mod">
+          <ac:chgData name="Tang Bo" userId="332dbdf67b1791cd" providerId="LiveId" clId="{2D92FFC4-6CAE-4370-B776-5AD7B630B07A}" dt="2023-01-29T19:30:35.342" v="78"/>
+          <ac:grpSpMkLst>
+            <pc:docMk/>
+            <pc:sldMk cId="2375695198" sldId="257"/>
+            <ac:grpSpMk id="29" creationId="{E0EB07CC-19B5-3DB0-A8BF-12B793BE2A57}"/>
+          </ac:grpSpMkLst>
+        </pc:grpChg>
+        <pc:grpChg chg="mod">
+          <ac:chgData name="Tang Bo" userId="332dbdf67b1791cd" providerId="LiveId" clId="{2D92FFC4-6CAE-4370-B776-5AD7B630B07A}" dt="2023-01-29T19:30:35.342" v="78"/>
+          <ac:grpSpMkLst>
+            <pc:docMk/>
+            <pc:sldMk cId="2375695198" sldId="257"/>
+            <ac:grpSpMk id="30" creationId="{66E70293-FE6F-6DE1-13C6-133C7BC4B702}"/>
+          </ac:grpSpMkLst>
+        </pc:grpChg>
+        <pc:grpChg chg="mod">
+          <ac:chgData name="Tang Bo" userId="332dbdf67b1791cd" providerId="LiveId" clId="{2D92FFC4-6CAE-4370-B776-5AD7B630B07A}" dt="2023-01-29T19:30:35.342" v="78"/>
+          <ac:grpSpMkLst>
+            <pc:docMk/>
+            <pc:sldMk cId="2375695198" sldId="257"/>
+            <ac:grpSpMk id="34" creationId="{67FC3E22-721A-8269-E7B8-0517C6BA59F4}"/>
+          </ac:grpSpMkLst>
+        </pc:grpChg>
+        <pc:grpChg chg="mod">
+          <ac:chgData name="Tang Bo" userId="332dbdf67b1791cd" providerId="LiveId" clId="{2D92FFC4-6CAE-4370-B776-5AD7B630B07A}" dt="2023-01-29T19:30:35.342" v="78"/>
+          <ac:grpSpMkLst>
+            <pc:docMk/>
+            <pc:sldMk cId="2375695198" sldId="257"/>
+            <ac:grpSpMk id="35" creationId="{D394415F-D4B9-F10A-022E-9397C5CCD073}"/>
+          </ac:grpSpMkLst>
+        </pc:grpChg>
+        <pc:grpChg chg="mod">
+          <ac:chgData name="Tang Bo" userId="332dbdf67b1791cd" providerId="LiveId" clId="{2D92FFC4-6CAE-4370-B776-5AD7B630B07A}" dt="2023-01-29T19:30:35.342" v="78"/>
+          <ac:grpSpMkLst>
+            <pc:docMk/>
+            <pc:sldMk cId="2375695198" sldId="257"/>
+            <ac:grpSpMk id="39" creationId="{EAD72130-0E1E-E3C7-84D5-AD74033BE80B}"/>
+          </ac:grpSpMkLst>
+        </pc:grpChg>
+        <pc:grpChg chg="mod">
+          <ac:chgData name="Tang Bo" userId="332dbdf67b1791cd" providerId="LiveId" clId="{2D92FFC4-6CAE-4370-B776-5AD7B630B07A}" dt="2023-01-29T19:30:43.270" v="82"/>
+          <ac:grpSpMkLst>
+            <pc:docMk/>
+            <pc:sldMk cId="2375695198" sldId="257"/>
+            <ac:grpSpMk id="45" creationId="{08000923-F8E0-9DC5-16BA-C5F8B49DC6A8}"/>
+          </ac:grpSpMkLst>
+        </pc:grpChg>
+        <pc:grpChg chg="mod">
+          <ac:chgData name="Tang Bo" userId="332dbdf67b1791cd" providerId="LiveId" clId="{2D92FFC4-6CAE-4370-B776-5AD7B630B07A}" dt="2023-01-29T19:30:35.342" v="78"/>
+          <ac:grpSpMkLst>
+            <pc:docMk/>
+            <pc:sldMk cId="2375695198" sldId="257"/>
+            <ac:grpSpMk id="50" creationId="{302D2B62-8883-65FA-114E-55EC34F02617}"/>
+          </ac:grpSpMkLst>
+        </pc:grpChg>
+        <pc:grpChg chg="mod">
+          <ac:chgData name="Tang Bo" userId="332dbdf67b1791cd" providerId="LiveId" clId="{2D92FFC4-6CAE-4370-B776-5AD7B630B07A}" dt="2023-01-29T19:30:43.270" v="82"/>
+          <ac:grpSpMkLst>
+            <pc:docMk/>
+            <pc:sldMk cId="2375695198" sldId="257"/>
+            <ac:grpSpMk id="53" creationId="{64FA3142-B221-CA79-7B5F-EDE7E77CF21F}"/>
+          </ac:grpSpMkLst>
+        </pc:grpChg>
+        <pc:grpChg chg="mod">
+          <ac:chgData name="Tang Bo" userId="332dbdf67b1791cd" providerId="LiveId" clId="{2D92FFC4-6CAE-4370-B776-5AD7B630B07A}" dt="2023-01-29T19:30:35.342" v="78"/>
+          <ac:grpSpMkLst>
+            <pc:docMk/>
+            <pc:sldMk cId="2375695198" sldId="257"/>
+            <ac:grpSpMk id="58" creationId="{DE9DE80B-64E5-D049-48D9-11E463E9BA5F}"/>
+          </ac:grpSpMkLst>
+        </pc:grpChg>
+        <pc:grpChg chg="mod">
+          <ac:chgData name="Tang Bo" userId="332dbdf67b1791cd" providerId="LiveId" clId="{2D92FFC4-6CAE-4370-B776-5AD7B630B07A}" dt="2023-01-29T19:30:35.342" v="78"/>
+          <ac:grpSpMkLst>
+            <pc:docMk/>
+            <pc:sldMk cId="2375695198" sldId="257"/>
+            <ac:grpSpMk id="59" creationId="{4EAB6121-E5EB-64D0-7413-F55A51122E72}"/>
+          </ac:grpSpMkLst>
+        </pc:grpChg>
+        <pc:grpChg chg="mod">
+          <ac:chgData name="Tang Bo" userId="332dbdf67b1791cd" providerId="LiveId" clId="{2D92FFC4-6CAE-4370-B776-5AD7B630B07A}" dt="2023-01-29T19:30:35.342" v="78"/>
+          <ac:grpSpMkLst>
+            <pc:docMk/>
+            <pc:sldMk cId="2375695198" sldId="257"/>
+            <ac:grpSpMk id="62" creationId="{5AFDDA80-D08E-B56E-BABA-2649081F2045}"/>
+          </ac:grpSpMkLst>
+        </pc:grpChg>
+        <pc:grpChg chg="mod">
+          <ac:chgData name="Tang Bo" userId="332dbdf67b1791cd" providerId="LiveId" clId="{2D92FFC4-6CAE-4370-B776-5AD7B630B07A}" dt="2023-01-29T19:30:43.270" v="82"/>
+          <ac:grpSpMkLst>
+            <pc:docMk/>
+            <pc:sldMk cId="2375695198" sldId="257"/>
+            <ac:grpSpMk id="68" creationId="{697CB765-A6BB-70CD-1BA3-C99EBCFF8685}"/>
+          </ac:grpSpMkLst>
+        </pc:grpChg>
+        <pc:grpChg chg="mod">
+          <ac:chgData name="Tang Bo" userId="332dbdf67b1791cd" providerId="LiveId" clId="{2D92FFC4-6CAE-4370-B776-5AD7B630B07A}" dt="2023-01-29T19:30:43.270" v="82"/>
+          <ac:grpSpMkLst>
+            <pc:docMk/>
+            <pc:sldMk cId="2375695198" sldId="257"/>
+            <ac:grpSpMk id="70" creationId="{3682613F-0E70-6E69-1C99-F0F03AFF45A6}"/>
+          </ac:grpSpMkLst>
+        </pc:grpChg>
+        <pc:grpChg chg="mod">
+          <ac:chgData name="Tang Bo" userId="332dbdf67b1791cd" providerId="LiveId" clId="{2D92FFC4-6CAE-4370-B776-5AD7B630B07A}" dt="2023-01-29T19:30:43.270" v="82"/>
+          <ac:grpSpMkLst>
+            <pc:docMk/>
+            <pc:sldMk cId="2375695198" sldId="257"/>
+            <ac:grpSpMk id="76" creationId="{3D1DA617-588A-F1C5-FCF6-F1372420780B}"/>
+          </ac:grpSpMkLst>
+        </pc:grpChg>
+        <pc:grpChg chg="mod">
+          <ac:chgData name="Tang Bo" userId="332dbdf67b1791cd" providerId="LiveId" clId="{2D92FFC4-6CAE-4370-B776-5AD7B630B07A}" dt="2023-01-29T19:30:35.342" v="78"/>
+          <ac:grpSpMkLst>
+            <pc:docMk/>
+            <pc:sldMk cId="2375695198" sldId="257"/>
+            <ac:grpSpMk id="84" creationId="{EBCD193A-04F8-4184-C9C8-79DA02523D6F}"/>
+          </ac:grpSpMkLst>
+        </pc:grpChg>
+        <pc:grpChg chg="mod">
+          <ac:chgData name="Tang Bo" userId="332dbdf67b1791cd" providerId="LiveId" clId="{2D92FFC4-6CAE-4370-B776-5AD7B630B07A}" dt="2023-01-29T19:30:35.342" v="78"/>
+          <ac:grpSpMkLst>
+            <pc:docMk/>
+            <pc:sldMk cId="2375695198" sldId="257"/>
+            <ac:grpSpMk id="89" creationId="{0F603146-AA28-7FDC-813B-85AA262A858C}"/>
+          </ac:grpSpMkLst>
+        </pc:grpChg>
+        <pc:grpChg chg="mod">
+          <ac:chgData name="Tang Bo" userId="332dbdf67b1791cd" providerId="LiveId" clId="{2D92FFC4-6CAE-4370-B776-5AD7B630B07A}" dt="2023-01-29T19:30:35.342" v="78"/>
+          <ac:grpSpMkLst>
+            <pc:docMk/>
+            <pc:sldMk cId="2375695198" sldId="257"/>
+            <ac:grpSpMk id="91" creationId="{2C226832-73B9-6561-12BE-0442185BB730}"/>
+          </ac:grpSpMkLst>
+        </pc:grpChg>
+        <pc:grpChg chg="mod">
+          <ac:chgData name="Tang Bo" userId="332dbdf67b1791cd" providerId="LiveId" clId="{2D92FFC4-6CAE-4370-B776-5AD7B630B07A}" dt="2023-01-29T19:30:35.342" v="78"/>
+          <ac:grpSpMkLst>
+            <pc:docMk/>
+            <pc:sldMk cId="2375695198" sldId="257"/>
+            <ac:grpSpMk id="92" creationId="{D6DB9266-0295-BC02-58E6-B6F3A8A93BAB}"/>
+          </ac:grpSpMkLst>
+        </pc:grpChg>
+        <pc:grpChg chg="mod">
+          <ac:chgData name="Tang Bo" userId="332dbdf67b1791cd" providerId="LiveId" clId="{2D92FFC4-6CAE-4370-B776-5AD7B630B07A}" dt="2023-01-29T19:30:35.342" v="78"/>
+          <ac:grpSpMkLst>
+            <pc:docMk/>
+            <pc:sldMk cId="2375695198" sldId="257"/>
+            <ac:grpSpMk id="97" creationId="{B3FB92A5-0335-B355-2891-8416DFA1A1E4}"/>
+          </ac:grpSpMkLst>
+        </pc:grpChg>
+        <pc:grpChg chg="mod">
+          <ac:chgData name="Tang Bo" userId="332dbdf67b1791cd" providerId="LiveId" clId="{2D92FFC4-6CAE-4370-B776-5AD7B630B07A}" dt="2023-01-29T19:30:35.342" v="78"/>
+          <ac:grpSpMkLst>
+            <pc:docMk/>
+            <pc:sldMk cId="2375695198" sldId="257"/>
+            <ac:grpSpMk id="98" creationId="{DE9B7969-57E0-BBE4-DE4A-20B561040EEF}"/>
+          </ac:grpSpMkLst>
+        </pc:grpChg>
+        <pc:grpChg chg="mod">
+          <ac:chgData name="Tang Bo" userId="332dbdf67b1791cd" providerId="LiveId" clId="{2D92FFC4-6CAE-4370-B776-5AD7B630B07A}" dt="2023-01-29T19:30:35.342" v="78"/>
+          <ac:grpSpMkLst>
+            <pc:docMk/>
+            <pc:sldMk cId="2375695198" sldId="257"/>
+            <ac:grpSpMk id="106" creationId="{22B21DB4-230B-5CB1-DA8B-12CC6617F9E7}"/>
+          </ac:grpSpMkLst>
+        </pc:grpChg>
+        <pc:cxnChg chg="mod">
+          <ac:chgData name="Tang Bo" userId="332dbdf67b1791cd" providerId="LiveId" clId="{2D92FFC4-6CAE-4370-B776-5AD7B630B07A}" dt="2023-01-29T19:30:35.342" v="78"/>
+          <ac:cxnSpMkLst>
+            <pc:docMk/>
+            <pc:sldMk cId="2375695198" sldId="257"/>
+            <ac:cxnSpMk id="12" creationId="{65F1C8D9-5D67-EF4A-6597-7704EB58D188}"/>
+          </ac:cxnSpMkLst>
+        </pc:cxnChg>
+        <pc:cxnChg chg="mod">
+          <ac:chgData name="Tang Bo" userId="332dbdf67b1791cd" providerId="LiveId" clId="{2D92FFC4-6CAE-4370-B776-5AD7B630B07A}" dt="2023-01-29T19:30:43.270" v="82"/>
+          <ac:cxnSpMkLst>
+            <pc:docMk/>
+            <pc:sldMk cId="2375695198" sldId="257"/>
+            <ac:cxnSpMk id="13" creationId="{400CFC58-C87C-D5F4-788A-60452EF0B1CD}"/>
+          </ac:cxnSpMkLst>
+        </pc:cxnChg>
+        <pc:cxnChg chg="mod">
+          <ac:chgData name="Tang Bo" userId="332dbdf67b1791cd" providerId="LiveId" clId="{2D92FFC4-6CAE-4370-B776-5AD7B630B07A}" dt="2023-01-29T19:30:35.342" v="78"/>
+          <ac:cxnSpMkLst>
+            <pc:docMk/>
+            <pc:sldMk cId="2375695198" sldId="257"/>
+            <ac:cxnSpMk id="14" creationId="{8F662C80-ACA3-220F-B8E1-5313BDF3E9E7}"/>
+          </ac:cxnSpMkLst>
+        </pc:cxnChg>
+        <pc:cxnChg chg="mod">
+          <ac:chgData name="Tang Bo" userId="332dbdf67b1791cd" providerId="LiveId" clId="{2D92FFC4-6CAE-4370-B776-5AD7B630B07A}" dt="2023-01-29T19:30:43.270" v="82"/>
+          <ac:cxnSpMkLst>
+            <pc:docMk/>
+            <pc:sldMk cId="2375695198" sldId="257"/>
+            <ac:cxnSpMk id="15" creationId="{5C87694A-4BEC-A612-0A8C-E5CB97D399B4}"/>
+          </ac:cxnSpMkLst>
+        </pc:cxnChg>
+        <pc:cxnChg chg="mod">
+          <ac:chgData name="Tang Bo" userId="332dbdf67b1791cd" providerId="LiveId" clId="{2D92FFC4-6CAE-4370-B776-5AD7B630B07A}" dt="2023-01-29T19:30:43.270" v="82"/>
+          <ac:cxnSpMkLst>
+            <pc:docMk/>
+            <pc:sldMk cId="2375695198" sldId="257"/>
+            <ac:cxnSpMk id="16" creationId="{D2B08110-D738-114D-A3D1-94D57D398B5E}"/>
+          </ac:cxnSpMkLst>
+        </pc:cxnChg>
+        <pc:cxnChg chg="mod">
+          <ac:chgData name="Tang Bo" userId="332dbdf67b1791cd" providerId="LiveId" clId="{2D92FFC4-6CAE-4370-B776-5AD7B630B07A}" dt="2023-01-29T19:30:35.342" v="78"/>
+          <ac:cxnSpMkLst>
+            <pc:docMk/>
+            <pc:sldMk cId="2375695198" sldId="257"/>
+            <ac:cxnSpMk id="25" creationId="{93D9E90B-757D-504A-3008-5E44BDA8A145}"/>
+          </ac:cxnSpMkLst>
+        </pc:cxnChg>
+        <pc:cxnChg chg="mod">
+          <ac:chgData name="Tang Bo" userId="332dbdf67b1791cd" providerId="LiveId" clId="{2D92FFC4-6CAE-4370-B776-5AD7B630B07A}" dt="2023-01-29T19:30:35.342" v="78"/>
+          <ac:cxnSpMkLst>
+            <pc:docMk/>
+            <pc:sldMk cId="2375695198" sldId="257"/>
+            <ac:cxnSpMk id="31" creationId="{825A3421-2491-6C3B-06FB-E71EDBAB7C4A}"/>
+          </ac:cxnSpMkLst>
+        </pc:cxnChg>
+        <pc:cxnChg chg="mod">
+          <ac:chgData name="Tang Bo" userId="332dbdf67b1791cd" providerId="LiveId" clId="{2D92FFC4-6CAE-4370-B776-5AD7B630B07A}" dt="2023-01-29T19:30:35.342" v="78"/>
+          <ac:cxnSpMkLst>
+            <pc:docMk/>
+            <pc:sldMk cId="2375695198" sldId="257"/>
+            <ac:cxnSpMk id="36" creationId="{21CE19D3-FC6C-B8C0-C6BE-00E4C9DD3787}"/>
+          </ac:cxnSpMkLst>
+        </pc:cxnChg>
+        <pc:cxnChg chg="mod">
+          <ac:chgData name="Tang Bo" userId="332dbdf67b1791cd" providerId="LiveId" clId="{2D92FFC4-6CAE-4370-B776-5AD7B630B07A}" dt="2023-01-29T19:30:35.342" v="78"/>
+          <ac:cxnSpMkLst>
+            <pc:docMk/>
+            <pc:sldMk cId="2375695198" sldId="257"/>
+            <ac:cxnSpMk id="40" creationId="{B5C03E0B-E488-B1C0-AE99-D9BF9DF5C04E}"/>
+          </ac:cxnSpMkLst>
+        </pc:cxnChg>
+        <pc:cxnChg chg="mod">
+          <ac:chgData name="Tang Bo" userId="332dbdf67b1791cd" providerId="LiveId" clId="{2D92FFC4-6CAE-4370-B776-5AD7B630B07A}" dt="2023-01-29T19:30:35.342" v="78"/>
+          <ac:cxnSpMkLst>
+            <pc:docMk/>
+            <pc:sldMk cId="2375695198" sldId="257"/>
+            <ac:cxnSpMk id="44" creationId="{3E663EC4-D32E-72EE-1BDF-BC6FA8975749}"/>
+          </ac:cxnSpMkLst>
+        </pc:cxnChg>
+        <pc:cxnChg chg="mod">
+          <ac:chgData name="Tang Bo" userId="332dbdf67b1791cd" providerId="LiveId" clId="{2D92FFC4-6CAE-4370-B776-5AD7B630B07A}" dt="2023-01-29T19:30:35.342" v="78"/>
+          <ac:cxnSpMkLst>
+            <pc:docMk/>
+            <pc:sldMk cId="2375695198" sldId="257"/>
+            <ac:cxnSpMk id="48" creationId="{C2B0F97A-79A3-785C-87B5-560D6350C843}"/>
+          </ac:cxnSpMkLst>
+        </pc:cxnChg>
+        <pc:cxnChg chg="mod">
+          <ac:chgData name="Tang Bo" userId="332dbdf67b1791cd" providerId="LiveId" clId="{2D92FFC4-6CAE-4370-B776-5AD7B630B07A}" dt="2023-01-29T19:30:43.270" v="82"/>
+          <ac:cxnSpMkLst>
+            <pc:docMk/>
+            <pc:sldMk cId="2375695198" sldId="257"/>
+            <ac:cxnSpMk id="69" creationId="{25F3DCF7-6BDA-B280-DA31-E15D5AC655E0}"/>
+          </ac:cxnSpMkLst>
+        </pc:cxnChg>
+        <pc:cxnChg chg="mod">
+          <ac:chgData name="Tang Bo" userId="332dbdf67b1791cd" providerId="LiveId" clId="{2D92FFC4-6CAE-4370-B776-5AD7B630B07A}" dt="2023-01-29T19:30:35.342" v="78"/>
+          <ac:cxnSpMkLst>
+            <pc:docMk/>
+            <pc:sldMk cId="2375695198" sldId="257"/>
+            <ac:cxnSpMk id="71" creationId="{A5D5854B-1A07-920D-B204-C820F03BAEE8}"/>
+          </ac:cxnSpMkLst>
+        </pc:cxnChg>
+        <pc:cxnChg chg="mod">
+          <ac:chgData name="Tang Bo" userId="332dbdf67b1791cd" providerId="LiveId" clId="{2D92FFC4-6CAE-4370-B776-5AD7B630B07A}" dt="2023-01-29T19:30:43.270" v="82"/>
+          <ac:cxnSpMkLst>
+            <pc:docMk/>
+            <pc:sldMk cId="2375695198" sldId="257"/>
+            <ac:cxnSpMk id="72" creationId="{89AB6CAD-4F2A-98CC-9CBA-8F08C8661257}"/>
+          </ac:cxnSpMkLst>
+        </pc:cxnChg>
+        <pc:cxnChg chg="mod">
+          <ac:chgData name="Tang Bo" userId="332dbdf67b1791cd" providerId="LiveId" clId="{2D92FFC4-6CAE-4370-B776-5AD7B630B07A}" dt="2023-01-29T19:30:35.342" v="78"/>
+          <ac:cxnSpMkLst>
+            <pc:docMk/>
+            <pc:sldMk cId="2375695198" sldId="257"/>
+            <ac:cxnSpMk id="75" creationId="{ED550C57-28BA-6134-1995-E511EC66FC1D}"/>
+          </ac:cxnSpMkLst>
+        </pc:cxnChg>
+        <pc:cxnChg chg="mod">
+          <ac:chgData name="Tang Bo" userId="332dbdf67b1791cd" providerId="LiveId" clId="{2D92FFC4-6CAE-4370-B776-5AD7B630B07A}" dt="2023-01-29T19:30:35.342" v="78"/>
+          <ac:cxnSpMkLst>
+            <pc:docMk/>
+            <pc:sldMk cId="2375695198" sldId="257"/>
+            <ac:cxnSpMk id="77" creationId="{7E67F88C-8DE5-47CD-1EA1-0DCFDDF051C4}"/>
+          </ac:cxnSpMkLst>
+        </pc:cxnChg>
+        <pc:cxnChg chg="mod">
+          <ac:chgData name="Tang Bo" userId="332dbdf67b1791cd" providerId="LiveId" clId="{2D92FFC4-6CAE-4370-B776-5AD7B630B07A}" dt="2023-01-29T19:30:43.270" v="82"/>
+          <ac:cxnSpMkLst>
+            <pc:docMk/>
+            <pc:sldMk cId="2375695198" sldId="257"/>
+            <ac:cxnSpMk id="78" creationId="{FC516A52-0BC4-6C3E-F42E-AA9F69DCD432}"/>
+          </ac:cxnSpMkLst>
+        </pc:cxnChg>
+        <pc:cxnChg chg="mod">
+          <ac:chgData name="Tang Bo" userId="332dbdf67b1791cd" providerId="LiveId" clId="{2D92FFC4-6CAE-4370-B776-5AD7B630B07A}" dt="2023-01-29T19:30:43.270" v="82"/>
+          <ac:cxnSpMkLst>
+            <pc:docMk/>
+            <pc:sldMk cId="2375695198" sldId="257"/>
+            <ac:cxnSpMk id="79" creationId="{D6BC39C7-B429-A97A-2C48-4830C508E6CC}"/>
+          </ac:cxnSpMkLst>
+        </pc:cxnChg>
+      </pc:sldChg>
+    </pc:docChg>
+  </pc:docChgLst>
+</pc:chgInfo>
 </file>
 
 <file path=ppt/slideLayouts/slideLayout1.xml><?xml version="1.0" encoding="utf-8"?>
@@ -243,7 +1056,7 @@
           <a:p>
             <a:fld id="{41A2E115-532D-454D-AA81-30C1041913C3}" type="datetimeFigureOut">
               <a:rPr lang="en-US" smtClean="0"/>
-              <a:t>12/3/2022</a:t>
+              <a:t>1/29/2023</a:t>
             </a:fld>
             <a:endParaRPr lang="en-US"/>
           </a:p>
@@ -413,7 +1226,7 @@
           <a:p>
             <a:fld id="{41A2E115-532D-454D-AA81-30C1041913C3}" type="datetimeFigureOut">
               <a:rPr lang="en-US" smtClean="0"/>
-              <a:t>12/3/2022</a:t>
+              <a:t>1/29/2023</a:t>
             </a:fld>
             <a:endParaRPr lang="en-US"/>
           </a:p>
@@ -593,7 +1406,7 @@
           <a:p>
             <a:fld id="{41A2E115-532D-454D-AA81-30C1041913C3}" type="datetimeFigureOut">
               <a:rPr lang="en-US" smtClean="0"/>
-              <a:t>12/3/2022</a:t>
+              <a:t>1/29/2023</a:t>
             </a:fld>
             <a:endParaRPr lang="en-US"/>
           </a:p>
@@ -763,7 +1576,7 @@
           <a:p>
             <a:fld id="{41A2E115-532D-454D-AA81-30C1041913C3}" type="datetimeFigureOut">
               <a:rPr lang="en-US" smtClean="0"/>
-              <a:t>12/3/2022</a:t>
+              <a:t>1/29/2023</a:t>
             </a:fld>
             <a:endParaRPr lang="en-US"/>
           </a:p>
@@ -1009,7 +1822,7 @@
           <a:p>
             <a:fld id="{41A2E115-532D-454D-AA81-30C1041913C3}" type="datetimeFigureOut">
               <a:rPr lang="en-US" smtClean="0"/>
-              <a:t>12/3/2022</a:t>
+              <a:t>1/29/2023</a:t>
             </a:fld>
             <a:endParaRPr lang="en-US"/>
           </a:p>
@@ -1241,7 +2054,7 @@
           <a:p>
             <a:fld id="{41A2E115-532D-454D-AA81-30C1041913C3}" type="datetimeFigureOut">
               <a:rPr lang="en-US" smtClean="0"/>
-              <a:t>12/3/2022</a:t>
+              <a:t>1/29/2023</a:t>
             </a:fld>
             <a:endParaRPr lang="en-US"/>
           </a:p>
@@ -1608,7 +2421,7 @@
           <a:p>
             <a:fld id="{41A2E115-532D-454D-AA81-30C1041913C3}" type="datetimeFigureOut">
               <a:rPr lang="en-US" smtClean="0"/>
-              <a:t>12/3/2022</a:t>
+              <a:t>1/29/2023</a:t>
             </a:fld>
             <a:endParaRPr lang="en-US"/>
           </a:p>
@@ -1726,7 +2539,7 @@
           <a:p>
             <a:fld id="{41A2E115-532D-454D-AA81-30C1041913C3}" type="datetimeFigureOut">
               <a:rPr lang="en-US" smtClean="0"/>
-              <a:t>12/3/2022</a:t>
+              <a:t>1/29/2023</a:t>
             </a:fld>
             <a:endParaRPr lang="en-US"/>
           </a:p>
@@ -1821,7 +2634,7 @@
           <a:p>
             <a:fld id="{41A2E115-532D-454D-AA81-30C1041913C3}" type="datetimeFigureOut">
               <a:rPr lang="en-US" smtClean="0"/>
-              <a:t>12/3/2022</a:t>
+              <a:t>1/29/2023</a:t>
             </a:fld>
             <a:endParaRPr lang="en-US"/>
           </a:p>
@@ -2098,7 +2911,7 @@
           <a:p>
             <a:fld id="{41A2E115-532D-454D-AA81-30C1041913C3}" type="datetimeFigureOut">
               <a:rPr lang="en-US" smtClean="0"/>
-              <a:t>12/3/2022</a:t>
+              <a:t>1/29/2023</a:t>
             </a:fld>
             <a:endParaRPr lang="en-US"/>
           </a:p>
@@ -2355,7 +3168,7 @@
           <a:p>
             <a:fld id="{41A2E115-532D-454D-AA81-30C1041913C3}" type="datetimeFigureOut">
               <a:rPr lang="en-US" smtClean="0"/>
-              <a:t>12/3/2022</a:t>
+              <a:t>1/29/2023</a:t>
             </a:fld>
             <a:endParaRPr lang="en-US"/>
           </a:p>
@@ -2568,7 +3381,7 @@
           <a:p>
             <a:fld id="{41A2E115-532D-454D-AA81-30C1041913C3}" type="datetimeFigureOut">
               <a:rPr lang="en-US" smtClean="0"/>
-              <a:t>12/3/2022</a:t>
+              <a:t>1/29/2023</a:t>
             </a:fld>
             <a:endParaRPr lang="en-US"/>
           </a:p>
@@ -4136,9 +4949,9 @@
           <p:grpSpPr>
             <a:xfrm>
               <a:off x="4602666" y="404881"/>
-              <a:ext cx="763992" cy="1968684"/>
+              <a:ext cx="868956" cy="1968684"/>
               <a:chOff x="4631521" y="476001"/>
-              <a:chExt cx="763992" cy="1968684"/>
+              <a:chExt cx="868956" cy="1968684"/>
             </a:xfrm>
           </p:grpSpPr>
           <p:sp>
@@ -4200,45 +5013,151 @@
               </a:p>
             </p:txBody>
           </p:sp>
-          <p:sp>
-            <p:nvSpPr>
-              <p:cNvPr id="57" name="TextBox 56">
-                <a:extLst>
-                  <a:ext uri="{FF2B5EF4-FFF2-40B4-BE49-F238E27FC236}">
-                    <a16:creationId xmlns:a16="http://schemas.microsoft.com/office/drawing/2014/main" id="{00A658E8-F4F8-2F79-1FA0-5A18FAAC31B0}"/>
-                  </a:ext>
-                </a:extLst>
-              </p:cNvPr>
-              <p:cNvSpPr txBox="1"/>
-              <p:nvPr/>
-            </p:nvSpPr>
-            <p:spPr>
-              <a:xfrm>
-                <a:off x="4631521" y="2075353"/>
-                <a:ext cx="763992" cy="369332"/>
-              </a:xfrm>
-              <a:prstGeom prst="rect">
-                <a:avLst/>
-              </a:prstGeom>
-              <a:noFill/>
-            </p:spPr>
-            <p:txBody>
-              <a:bodyPr wrap="none" rtlCol="0">
-                <a:spAutoFit/>
-              </a:bodyPr>
-              <a:lstStyle/>
-              <a:p>
-                <a:r>
-                  <a:rPr lang="en-US" dirty="0">
-                    <a:solidFill>
-                      <a:srgbClr val="8FAADC"/>
-                    </a:solidFill>
-                  </a:rPr>
-                  <a:t>Cost 1</a:t>
-                </a:r>
-              </a:p>
-            </p:txBody>
-          </p:sp>
+          <mc:AlternateContent xmlns:mc="http://schemas.openxmlformats.org/markup-compatibility/2006">
+            <mc:Choice xmlns:a14="http://schemas.microsoft.com/office/drawing/2010/main" Requires="a14">
+              <p:sp>
+                <p:nvSpPr>
+                  <p:cNvPr id="57" name="TextBox 56">
+                    <a:extLst>
+                      <a:ext uri="{FF2B5EF4-FFF2-40B4-BE49-F238E27FC236}">
+                        <a16:creationId xmlns:a16="http://schemas.microsoft.com/office/drawing/2014/main" id="{00A658E8-F4F8-2F79-1FA0-5A18FAAC31B0}"/>
+                      </a:ext>
+                    </a:extLst>
+                  </p:cNvPr>
+                  <p:cNvSpPr txBox="1"/>
+                  <p:nvPr/>
+                </p:nvSpPr>
+                <p:spPr>
+                  <a:xfrm>
+                    <a:off x="4631521" y="2075353"/>
+                    <a:ext cx="868956" cy="369332"/>
+                  </a:xfrm>
+                  <a:prstGeom prst="rect">
+                    <a:avLst/>
+                  </a:prstGeom>
+                  <a:noFill/>
+                </p:spPr>
+                <p:txBody>
+                  <a:bodyPr wrap="none" rtlCol="0">
+                    <a:spAutoFit/>
+                  </a:bodyPr>
+                  <a:lstStyle/>
+                  <a:p>
+                    <a:r>
+                      <a:rPr lang="en-US" dirty="0">
+                        <a:solidFill>
+                          <a:srgbClr val="8FAADC"/>
+                        </a:solidFill>
+                      </a:rPr>
+                      <a:t>Cost </a:t>
+                    </a:r>
+                    <a14:m>
+                      <m:oMath xmlns:m="http://schemas.openxmlformats.org/officeDocument/2006/math">
+                        <m:sSup>
+                          <m:sSupPr>
+                            <m:ctrlPr>
+                              <a:rPr lang="en-US" i="1" smtClean="0">
+                                <a:solidFill>
+                                  <a:srgbClr val="8FAADC"/>
+                                </a:solidFill>
+                                <a:latin typeface="Cambria Math" panose="02040503050406030204" pitchFamily="18" charset="0"/>
+                              </a:rPr>
+                            </m:ctrlPr>
+                          </m:sSupPr>
+                          <m:e>
+                            <m:acc>
+                              <m:accPr>
+                                <m:chr m:val="̂"/>
+                                <m:ctrlPr>
+                                  <a:rPr lang="en-US" i="1" smtClean="0">
+                                    <a:solidFill>
+                                      <a:srgbClr val="8FAADC"/>
+                                    </a:solidFill>
+                                    <a:latin typeface="Cambria Math" panose="02040503050406030204" pitchFamily="18" charset="0"/>
+                                  </a:rPr>
+                                </m:ctrlPr>
+                              </m:accPr>
+                              <m:e>
+                                <m:r>
+                                  <a:rPr lang="en-US" b="1" i="1">
+                                    <a:solidFill>
+                                      <a:srgbClr val="8FAADC"/>
+                                    </a:solidFill>
+                                    <a:latin typeface="Cambria Math" panose="02040503050406030204" pitchFamily="18" charset="0"/>
+                                  </a:rPr>
+                                  <m:t>𝒄</m:t>
+                                </m:r>
+                              </m:e>
+                            </m:acc>
+                          </m:e>
+                          <m:sup>
+                            <m:r>
+                              <a:rPr lang="en-US" b="0" i="1" smtClean="0">
+                                <a:solidFill>
+                                  <a:srgbClr val="8FAADC"/>
+                                </a:solidFill>
+                                <a:latin typeface="Cambria Math" panose="02040503050406030204" pitchFamily="18" charset="0"/>
+                              </a:rPr>
+                              <m:t>1</m:t>
+                            </m:r>
+                          </m:sup>
+                        </m:sSup>
+                      </m:oMath>
+                    </a14:m>
+                    <a:endParaRPr lang="en-US" dirty="0">
+                      <a:solidFill>
+                        <a:srgbClr val="8FAADC"/>
+                      </a:solidFill>
+                    </a:endParaRPr>
+                  </a:p>
+                </p:txBody>
+              </p:sp>
+            </mc:Choice>
+            <mc:Fallback>
+              <p:sp>
+                <p:nvSpPr>
+                  <p:cNvPr id="57" name="TextBox 56">
+                    <a:extLst>
+                      <a:ext uri="{FF2B5EF4-FFF2-40B4-BE49-F238E27FC236}">
+                        <a16:creationId xmlns:a16="http://schemas.microsoft.com/office/drawing/2014/main" id="{00A658E8-F4F8-2F79-1FA0-5A18FAAC31B0}"/>
+                      </a:ext>
+                    </a:extLst>
+                  </p:cNvPr>
+                  <p:cNvSpPr txBox="1">
+                    <a:spLocks noRot="1" noChangeAspect="1" noMove="1" noResize="1" noEditPoints="1" noAdjustHandles="1" noChangeArrowheads="1" noChangeShapeType="1" noTextEdit="1"/>
+                  </p:cNvSpPr>
+                  <p:nvPr/>
+                </p:nvSpPr>
+                <p:spPr>
+                  <a:xfrm>
+                    <a:off x="4631521" y="2075353"/>
+                    <a:ext cx="868956" cy="369332"/>
+                  </a:xfrm>
+                  <a:prstGeom prst="rect">
+                    <a:avLst/>
+                  </a:prstGeom>
+                  <a:blipFill>
+                    <a:blip r:embed="rId2"/>
+                    <a:stretch>
+                      <a:fillRect l="-6338" t="-8197" r="-20423" b="-24590"/>
+                    </a:stretch>
+                  </a:blipFill>
+                </p:spPr>
+                <p:txBody>
+                  <a:bodyPr/>
+                  <a:lstStyle/>
+                  <a:p>
+                    <a:r>
+                      <a:rPr lang="en-US">
+                        <a:noFill/>
+                      </a:rPr>
+                      <a:t> </a:t>
+                    </a:r>
+                  </a:p>
+                </p:txBody>
+              </p:sp>
+            </mc:Fallback>
+          </mc:AlternateContent>
         </p:grpSp>
         <p:grpSp>
           <p:nvGrpSpPr>
@@ -4255,9 +5174,9 @@
           <p:grpSpPr>
             <a:xfrm>
               <a:off x="4602666" y="2444658"/>
-              <a:ext cx="763992" cy="1968684"/>
+              <a:ext cx="873894" cy="1968684"/>
               <a:chOff x="4631521" y="476001"/>
-              <a:chExt cx="763992" cy="1968684"/>
+              <a:chExt cx="873894" cy="1968684"/>
             </a:xfrm>
           </p:grpSpPr>
           <p:sp>
@@ -4319,45 +5238,151 @@
               </a:p>
             </p:txBody>
           </p:sp>
-          <p:sp>
-            <p:nvSpPr>
-              <p:cNvPr id="61" name="TextBox 60">
-                <a:extLst>
-                  <a:ext uri="{FF2B5EF4-FFF2-40B4-BE49-F238E27FC236}">
-                    <a16:creationId xmlns:a16="http://schemas.microsoft.com/office/drawing/2014/main" id="{7DFACAC8-6D05-C594-2C56-EFE9F8400B73}"/>
-                  </a:ext>
-                </a:extLst>
-              </p:cNvPr>
-              <p:cNvSpPr txBox="1"/>
-              <p:nvPr/>
-            </p:nvSpPr>
-            <p:spPr>
-              <a:xfrm>
-                <a:off x="4631521" y="2075353"/>
-                <a:ext cx="763992" cy="369332"/>
-              </a:xfrm>
-              <a:prstGeom prst="rect">
-                <a:avLst/>
-              </a:prstGeom>
-              <a:noFill/>
-            </p:spPr>
-            <p:txBody>
-              <a:bodyPr wrap="none" rtlCol="0">
-                <a:spAutoFit/>
-              </a:bodyPr>
-              <a:lstStyle/>
-              <a:p>
-                <a:r>
-                  <a:rPr lang="en-US" dirty="0">
-                    <a:solidFill>
-                      <a:srgbClr val="336699"/>
-                    </a:solidFill>
-                  </a:rPr>
-                  <a:t>Cost 2</a:t>
-                </a:r>
-              </a:p>
-            </p:txBody>
-          </p:sp>
+          <mc:AlternateContent xmlns:mc="http://schemas.openxmlformats.org/markup-compatibility/2006">
+            <mc:Choice xmlns:a14="http://schemas.microsoft.com/office/drawing/2010/main" Requires="a14">
+              <p:sp>
+                <p:nvSpPr>
+                  <p:cNvPr id="61" name="TextBox 60">
+                    <a:extLst>
+                      <a:ext uri="{FF2B5EF4-FFF2-40B4-BE49-F238E27FC236}">
+                        <a16:creationId xmlns:a16="http://schemas.microsoft.com/office/drawing/2014/main" id="{7DFACAC8-6D05-C594-2C56-EFE9F8400B73}"/>
+                      </a:ext>
+                    </a:extLst>
+                  </p:cNvPr>
+                  <p:cNvSpPr txBox="1"/>
+                  <p:nvPr/>
+                </p:nvSpPr>
+                <p:spPr>
+                  <a:xfrm>
+                    <a:off x="4631521" y="2075353"/>
+                    <a:ext cx="873894" cy="369332"/>
+                  </a:xfrm>
+                  <a:prstGeom prst="rect">
+                    <a:avLst/>
+                  </a:prstGeom>
+                  <a:noFill/>
+                </p:spPr>
+                <p:txBody>
+                  <a:bodyPr wrap="none" rtlCol="0">
+                    <a:spAutoFit/>
+                  </a:bodyPr>
+                  <a:lstStyle/>
+                  <a:p>
+                    <a:r>
+                      <a:rPr lang="en-US" dirty="0">
+                        <a:solidFill>
+                          <a:srgbClr val="336699"/>
+                        </a:solidFill>
+                      </a:rPr>
+                      <a:t>Cost </a:t>
+                    </a:r>
+                    <a14:m>
+                      <m:oMath xmlns:m="http://schemas.openxmlformats.org/officeDocument/2006/math">
+                        <m:sSup>
+                          <m:sSupPr>
+                            <m:ctrlPr>
+                              <a:rPr lang="en-US" i="1" smtClean="0">
+                                <a:solidFill>
+                                  <a:srgbClr val="336699"/>
+                                </a:solidFill>
+                                <a:latin typeface="Cambria Math" panose="02040503050406030204" pitchFamily="18" charset="0"/>
+                              </a:rPr>
+                            </m:ctrlPr>
+                          </m:sSupPr>
+                          <m:e>
+                            <m:acc>
+                              <m:accPr>
+                                <m:chr m:val="̂"/>
+                                <m:ctrlPr>
+                                  <a:rPr lang="en-US" i="1" smtClean="0">
+                                    <a:solidFill>
+                                      <a:srgbClr val="336699"/>
+                                    </a:solidFill>
+                                    <a:latin typeface="Cambria Math" panose="02040503050406030204" pitchFamily="18" charset="0"/>
+                                  </a:rPr>
+                                </m:ctrlPr>
+                              </m:accPr>
+                              <m:e>
+                                <m:r>
+                                  <a:rPr lang="en-US" b="1" i="1">
+                                    <a:solidFill>
+                                      <a:srgbClr val="336699"/>
+                                    </a:solidFill>
+                                    <a:latin typeface="Cambria Math" panose="02040503050406030204" pitchFamily="18" charset="0"/>
+                                  </a:rPr>
+                                  <m:t>𝒄</m:t>
+                                </m:r>
+                              </m:e>
+                            </m:acc>
+                          </m:e>
+                          <m:sup>
+                            <m:r>
+                              <a:rPr lang="en-US" b="0" i="1" smtClean="0">
+                                <a:solidFill>
+                                  <a:srgbClr val="336699"/>
+                                </a:solidFill>
+                                <a:latin typeface="Cambria Math" panose="02040503050406030204" pitchFamily="18" charset="0"/>
+                              </a:rPr>
+                              <m:t>2</m:t>
+                            </m:r>
+                          </m:sup>
+                        </m:sSup>
+                      </m:oMath>
+                    </a14:m>
+                    <a:endParaRPr lang="en-US" dirty="0">
+                      <a:solidFill>
+                        <a:srgbClr val="336699"/>
+                      </a:solidFill>
+                    </a:endParaRPr>
+                  </a:p>
+                </p:txBody>
+              </p:sp>
+            </mc:Choice>
+            <mc:Fallback>
+              <p:sp>
+                <p:nvSpPr>
+                  <p:cNvPr id="61" name="TextBox 60">
+                    <a:extLst>
+                      <a:ext uri="{FF2B5EF4-FFF2-40B4-BE49-F238E27FC236}">
+                        <a16:creationId xmlns:a16="http://schemas.microsoft.com/office/drawing/2014/main" id="{7DFACAC8-6D05-C594-2C56-EFE9F8400B73}"/>
+                      </a:ext>
+                    </a:extLst>
+                  </p:cNvPr>
+                  <p:cNvSpPr txBox="1">
+                    <a:spLocks noRot="1" noChangeAspect="1" noMove="1" noResize="1" noEditPoints="1" noAdjustHandles="1" noChangeArrowheads="1" noChangeShapeType="1" noTextEdit="1"/>
+                  </p:cNvSpPr>
+                  <p:nvPr/>
+                </p:nvSpPr>
+                <p:spPr>
+                  <a:xfrm>
+                    <a:off x="4631521" y="2075353"/>
+                    <a:ext cx="873894" cy="369332"/>
+                  </a:xfrm>
+                  <a:prstGeom prst="rect">
+                    <a:avLst/>
+                  </a:prstGeom>
+                  <a:blipFill>
+                    <a:blip r:embed="rId3"/>
+                    <a:stretch>
+                      <a:fillRect l="-6294" t="-8197" r="-18881" b="-24590"/>
+                    </a:stretch>
+                  </a:blipFill>
+                </p:spPr>
+                <p:txBody>
+                  <a:bodyPr/>
+                  <a:lstStyle/>
+                  <a:p>
+                    <a:r>
+                      <a:rPr lang="en-US">
+                        <a:noFill/>
+                      </a:rPr>
+                      <a:t> </a:t>
+                    </a:r>
+                  </a:p>
+                </p:txBody>
+              </p:sp>
+            </mc:Fallback>
+          </mc:AlternateContent>
         </p:grpSp>
         <p:grpSp>
           <p:nvGrpSpPr>
@@ -4374,9 +5399,9 @@
           <p:grpSpPr>
             <a:xfrm>
               <a:off x="4602666" y="4470464"/>
-              <a:ext cx="763992" cy="1968684"/>
+              <a:ext cx="873894" cy="1968684"/>
               <a:chOff x="4631521" y="476001"/>
-              <a:chExt cx="763992" cy="1968684"/>
+              <a:chExt cx="873894" cy="1968684"/>
             </a:xfrm>
           </p:grpSpPr>
           <p:sp>
@@ -4442,45 +5467,151 @@
               </a:p>
             </p:txBody>
           </p:sp>
-          <p:sp>
-            <p:nvSpPr>
-              <p:cNvPr id="64" name="TextBox 63">
-                <a:extLst>
-                  <a:ext uri="{FF2B5EF4-FFF2-40B4-BE49-F238E27FC236}">
-                    <a16:creationId xmlns:a16="http://schemas.microsoft.com/office/drawing/2014/main" id="{BC796AEC-AA97-66BA-D76B-A18C7A7914E4}"/>
-                  </a:ext>
-                </a:extLst>
-              </p:cNvPr>
-              <p:cNvSpPr txBox="1"/>
-              <p:nvPr/>
-            </p:nvSpPr>
-            <p:spPr>
-              <a:xfrm>
-                <a:off x="4631521" y="2075353"/>
-                <a:ext cx="763992" cy="369332"/>
-              </a:xfrm>
-              <a:prstGeom prst="rect">
-                <a:avLst/>
-              </a:prstGeom>
-              <a:noFill/>
-            </p:spPr>
-            <p:txBody>
-              <a:bodyPr wrap="none" rtlCol="0">
-                <a:spAutoFit/>
-              </a:bodyPr>
-              <a:lstStyle/>
-              <a:p>
-                <a:r>
-                  <a:rPr lang="en-US" dirty="0">
-                    <a:solidFill>
-                      <a:srgbClr val="002F65"/>
-                    </a:solidFill>
-                  </a:rPr>
-                  <a:t>Cost 3</a:t>
-                </a:r>
-              </a:p>
-            </p:txBody>
-          </p:sp>
+          <mc:AlternateContent xmlns:mc="http://schemas.openxmlformats.org/markup-compatibility/2006">
+            <mc:Choice xmlns:a14="http://schemas.microsoft.com/office/drawing/2010/main" Requires="a14">
+              <p:sp>
+                <p:nvSpPr>
+                  <p:cNvPr id="64" name="TextBox 63">
+                    <a:extLst>
+                      <a:ext uri="{FF2B5EF4-FFF2-40B4-BE49-F238E27FC236}">
+                        <a16:creationId xmlns:a16="http://schemas.microsoft.com/office/drawing/2014/main" id="{BC796AEC-AA97-66BA-D76B-A18C7A7914E4}"/>
+                      </a:ext>
+                    </a:extLst>
+                  </p:cNvPr>
+                  <p:cNvSpPr txBox="1"/>
+                  <p:nvPr/>
+                </p:nvSpPr>
+                <p:spPr>
+                  <a:xfrm>
+                    <a:off x="4631521" y="2075353"/>
+                    <a:ext cx="873894" cy="369332"/>
+                  </a:xfrm>
+                  <a:prstGeom prst="rect">
+                    <a:avLst/>
+                  </a:prstGeom>
+                  <a:noFill/>
+                </p:spPr>
+                <p:txBody>
+                  <a:bodyPr wrap="none" rtlCol="0">
+                    <a:spAutoFit/>
+                  </a:bodyPr>
+                  <a:lstStyle/>
+                  <a:p>
+                    <a:r>
+                      <a:rPr lang="en-US" dirty="0">
+                        <a:solidFill>
+                          <a:srgbClr val="002F65"/>
+                        </a:solidFill>
+                      </a:rPr>
+                      <a:t>Cost </a:t>
+                    </a:r>
+                    <a14:m>
+                      <m:oMath xmlns:m="http://schemas.openxmlformats.org/officeDocument/2006/math">
+                        <m:sSup>
+                          <m:sSupPr>
+                            <m:ctrlPr>
+                              <a:rPr lang="en-US" i="1" smtClean="0">
+                                <a:solidFill>
+                                  <a:srgbClr val="002F65"/>
+                                </a:solidFill>
+                                <a:latin typeface="Cambria Math" panose="02040503050406030204" pitchFamily="18" charset="0"/>
+                              </a:rPr>
+                            </m:ctrlPr>
+                          </m:sSupPr>
+                          <m:e>
+                            <m:acc>
+                              <m:accPr>
+                                <m:chr m:val="̂"/>
+                                <m:ctrlPr>
+                                  <a:rPr lang="en-US" i="1" smtClean="0">
+                                    <a:solidFill>
+                                      <a:srgbClr val="002F65"/>
+                                    </a:solidFill>
+                                    <a:latin typeface="Cambria Math" panose="02040503050406030204" pitchFamily="18" charset="0"/>
+                                  </a:rPr>
+                                </m:ctrlPr>
+                              </m:accPr>
+                              <m:e>
+                                <m:r>
+                                  <a:rPr lang="en-US" b="1" i="1">
+                                    <a:solidFill>
+                                      <a:srgbClr val="002F65"/>
+                                    </a:solidFill>
+                                    <a:latin typeface="Cambria Math" panose="02040503050406030204" pitchFamily="18" charset="0"/>
+                                  </a:rPr>
+                                  <m:t>𝒄</m:t>
+                                </m:r>
+                              </m:e>
+                            </m:acc>
+                          </m:e>
+                          <m:sup>
+                            <m:r>
+                              <a:rPr lang="en-US" b="0" i="1" smtClean="0">
+                                <a:solidFill>
+                                  <a:srgbClr val="002F65"/>
+                                </a:solidFill>
+                                <a:latin typeface="Cambria Math" panose="02040503050406030204" pitchFamily="18" charset="0"/>
+                              </a:rPr>
+                              <m:t>3</m:t>
+                            </m:r>
+                          </m:sup>
+                        </m:sSup>
+                      </m:oMath>
+                    </a14:m>
+                    <a:endParaRPr lang="en-US" dirty="0">
+                      <a:solidFill>
+                        <a:srgbClr val="002F65"/>
+                      </a:solidFill>
+                    </a:endParaRPr>
+                  </a:p>
+                </p:txBody>
+              </p:sp>
+            </mc:Choice>
+            <mc:Fallback>
+              <p:sp>
+                <p:nvSpPr>
+                  <p:cNvPr id="64" name="TextBox 63">
+                    <a:extLst>
+                      <a:ext uri="{FF2B5EF4-FFF2-40B4-BE49-F238E27FC236}">
+                        <a16:creationId xmlns:a16="http://schemas.microsoft.com/office/drawing/2014/main" id="{BC796AEC-AA97-66BA-D76B-A18C7A7914E4}"/>
+                      </a:ext>
+                    </a:extLst>
+                  </p:cNvPr>
+                  <p:cNvSpPr txBox="1">
+                    <a:spLocks noRot="1" noChangeAspect="1" noMove="1" noResize="1" noEditPoints="1" noAdjustHandles="1" noChangeArrowheads="1" noChangeShapeType="1" noTextEdit="1"/>
+                  </p:cNvSpPr>
+                  <p:nvPr/>
+                </p:nvSpPr>
+                <p:spPr>
+                  <a:xfrm>
+                    <a:off x="4631521" y="2075353"/>
+                    <a:ext cx="873894" cy="369332"/>
+                  </a:xfrm>
+                  <a:prstGeom prst="rect">
+                    <a:avLst/>
+                  </a:prstGeom>
+                  <a:blipFill>
+                    <a:blip r:embed="rId4"/>
+                    <a:stretch>
+                      <a:fillRect l="-6294" t="-8197" r="-18881" b="-24590"/>
+                    </a:stretch>
+                  </a:blipFill>
+                </p:spPr>
+                <p:txBody>
+                  <a:bodyPr/>
+                  <a:lstStyle/>
+                  <a:p>
+                    <a:r>
+                      <a:rPr lang="en-US">
+                        <a:noFill/>
+                      </a:rPr>
+                      <a:t> </a:t>
+                    </a:r>
+                  </a:p>
+                </p:txBody>
+              </p:sp>
+            </mc:Fallback>
+          </mc:AlternateContent>
         </p:grpSp>
         <p:cxnSp>
           <p:nvCxnSpPr>
@@ -8616,10 +9747,10 @@
           </p:nvGrpSpPr>
           <p:grpSpPr>
             <a:xfrm>
-              <a:off x="9278166" y="2451643"/>
-              <a:ext cx="696321" cy="1968684"/>
-              <a:chOff x="4631521" y="476001"/>
-              <a:chExt cx="696321" cy="1968684"/>
+              <a:off x="9164337" y="2451643"/>
+              <a:ext cx="810150" cy="1968684"/>
+              <a:chOff x="4517692" y="476001"/>
+              <a:chExt cx="810150" cy="1968684"/>
             </a:xfrm>
           </p:grpSpPr>
           <p:sp>
@@ -8683,47 +9814,134 @@
               </a:p>
             </p:txBody>
           </p:sp>
-          <p:sp>
-            <p:nvSpPr>
-              <p:cNvPr id="67" name="TextBox 66">
-                <a:extLst>
-                  <a:ext uri="{FF2B5EF4-FFF2-40B4-BE49-F238E27FC236}">
-                    <a16:creationId xmlns:a16="http://schemas.microsoft.com/office/drawing/2014/main" id="{3C4B7293-1479-C811-058C-35148316A71F}"/>
-                  </a:ext>
-                </a:extLst>
-              </p:cNvPr>
-              <p:cNvSpPr txBox="1"/>
-              <p:nvPr/>
-            </p:nvSpPr>
-            <p:spPr>
-              <a:xfrm>
-                <a:off x="4631521" y="2075353"/>
-                <a:ext cx="594073" cy="369332"/>
-              </a:xfrm>
-              <a:prstGeom prst="rect">
-                <a:avLst/>
-              </a:prstGeom>
-              <a:noFill/>
-            </p:spPr>
-            <p:txBody>
-              <a:bodyPr wrap="none" rtlCol="0">
-                <a:spAutoFit/>
-              </a:bodyPr>
-              <a:lstStyle/>
-              <a:p>
-                <a:r>
-                  <a:rPr lang="en-US" dirty="0">
-                    <a:solidFill>
-                      <a:schemeClr val="tx2">
-                        <a:lumMod val="75000"/>
-                      </a:schemeClr>
-                    </a:solidFill>
-                  </a:rPr>
-                  <a:t>Cost</a:t>
-                </a:r>
-              </a:p>
-            </p:txBody>
-          </p:sp>
+          <mc:AlternateContent xmlns:mc="http://schemas.openxmlformats.org/markup-compatibility/2006">
+            <mc:Choice xmlns:a14="http://schemas.microsoft.com/office/drawing/2010/main" Requires="a14">
+              <p:sp>
+                <p:nvSpPr>
+                  <p:cNvPr id="67" name="TextBox 66">
+                    <a:extLst>
+                      <a:ext uri="{FF2B5EF4-FFF2-40B4-BE49-F238E27FC236}">
+                        <a16:creationId xmlns:a16="http://schemas.microsoft.com/office/drawing/2014/main" id="{3C4B7293-1479-C811-058C-35148316A71F}"/>
+                      </a:ext>
+                    </a:extLst>
+                  </p:cNvPr>
+                  <p:cNvSpPr txBox="1"/>
+                  <p:nvPr/>
+                </p:nvSpPr>
+                <p:spPr>
+                  <a:xfrm>
+                    <a:off x="4517692" y="2075353"/>
+                    <a:ext cx="766557" cy="369332"/>
+                  </a:xfrm>
+                  <a:prstGeom prst="rect">
+                    <a:avLst/>
+                  </a:prstGeom>
+                  <a:noFill/>
+                </p:spPr>
+                <p:txBody>
+                  <a:bodyPr wrap="none" rtlCol="0">
+                    <a:spAutoFit/>
+                  </a:bodyPr>
+                  <a:lstStyle/>
+                  <a:p>
+                    <a:r>
+                      <a:rPr lang="en-US" dirty="0">
+                        <a:solidFill>
+                          <a:schemeClr val="tx2">
+                            <a:lumMod val="75000"/>
+                          </a:schemeClr>
+                        </a:solidFill>
+                      </a:rPr>
+                      <a:t>Cost </a:t>
+                    </a:r>
+                    <a14:m>
+                      <m:oMath xmlns:m="http://schemas.openxmlformats.org/officeDocument/2006/math">
+                        <m:acc>
+                          <m:accPr>
+                            <m:chr m:val="̂"/>
+                            <m:ctrlPr>
+                              <a:rPr lang="en-US" b="1" i="1" smtClean="0">
+                                <a:solidFill>
+                                  <a:schemeClr val="tx2">
+                                    <a:lumMod val="75000"/>
+                                  </a:schemeClr>
+                                </a:solidFill>
+                                <a:latin typeface="Cambria Math" panose="02040503050406030204" pitchFamily="18" charset="0"/>
+                              </a:rPr>
+                            </m:ctrlPr>
+                          </m:accPr>
+                          <m:e>
+                            <m:r>
+                              <a:rPr lang="en-US" b="1" i="1">
+                                <a:solidFill>
+                                  <a:schemeClr val="tx2">
+                                    <a:lumMod val="75000"/>
+                                  </a:schemeClr>
+                                </a:solidFill>
+                                <a:latin typeface="Cambria Math" panose="02040503050406030204" pitchFamily="18" charset="0"/>
+                              </a:rPr>
+                              <m:t>𝒄</m:t>
+                            </m:r>
+                          </m:e>
+                        </m:acc>
+                      </m:oMath>
+                    </a14:m>
+                    <a:endParaRPr lang="en-US" b="1" dirty="0">
+                      <a:solidFill>
+                        <a:schemeClr val="tx2">
+                          <a:lumMod val="75000"/>
+                        </a:schemeClr>
+                      </a:solidFill>
+                    </a:endParaRPr>
+                  </a:p>
+                </p:txBody>
+              </p:sp>
+            </mc:Choice>
+            <mc:Fallback>
+              <p:sp>
+                <p:nvSpPr>
+                  <p:cNvPr id="67" name="TextBox 66">
+                    <a:extLst>
+                      <a:ext uri="{FF2B5EF4-FFF2-40B4-BE49-F238E27FC236}">
+                        <a16:creationId xmlns:a16="http://schemas.microsoft.com/office/drawing/2014/main" id="{3C4B7293-1479-C811-058C-35148316A71F}"/>
+                      </a:ext>
+                    </a:extLst>
+                  </p:cNvPr>
+                  <p:cNvSpPr txBox="1">
+                    <a:spLocks noRot="1" noChangeAspect="1" noMove="1" noResize="1" noEditPoints="1" noAdjustHandles="1" noChangeArrowheads="1" noChangeShapeType="1" noTextEdit="1"/>
+                  </p:cNvSpPr>
+                  <p:nvPr/>
+                </p:nvSpPr>
+                <p:spPr>
+                  <a:xfrm>
+                    <a:off x="4517692" y="2075353"/>
+                    <a:ext cx="766557" cy="369332"/>
+                  </a:xfrm>
+                  <a:prstGeom prst="rect">
+                    <a:avLst/>
+                  </a:prstGeom>
+                  <a:blipFill>
+                    <a:blip r:embed="rId5"/>
+                    <a:stretch>
+                      <a:fillRect l="-6349" t="-8197" r="-35714" b="-24590"/>
+                    </a:stretch>
+                  </a:blipFill>
+                </p:spPr>
+                <p:txBody>
+                  <a:bodyPr/>
+                  <a:lstStyle/>
+                  <a:p>
+                    <a:r>
+                      <a:rPr lang="en-US">
+                        <a:noFill/>
+                      </a:rPr>
+                      <a:t> </a:t>
+                    </a:r>
+                  </a:p>
+                </p:txBody>
+              </p:sp>
+            </mc:Fallback>
+          </mc:AlternateContent>
         </p:grpSp>
         <p:cxnSp>
           <p:nvCxnSpPr>
